--- a/Prezentacija za projekte/Servisno-Orijentisane arhitekture.pptx
+++ b/Prezentacija za projekte/Servisno-Orijentisane arhitekture.pptx
@@ -7063,8 +7063,44 @@
                 <a:latin typeface="+mj-lt"/>
                 <a:cs typeface="Times New Roman" panose="02020603050405020304" pitchFamily="18" charset="0"/>
               </a:rPr>
-              <a:t>ć 17410</a:t>
-            </a:r>
+              <a:t>ć 171</a:t>
+            </a:r>
+            <a:r>
+              <a:rPr lang="en-US" sz="2200">
+                <a:solidFill>
+                  <a:schemeClr val="bg2">
+                    <a:lumMod val="20000"/>
+                    <a:lumOff val="80000"/>
+                  </a:schemeClr>
+                </a:solidFill>
+                <a:latin typeface="+mj-lt"/>
+                <a:cs typeface="Times New Roman" panose="02020603050405020304" pitchFamily="18" charset="0"/>
+              </a:rPr>
+              <a:t>9</a:t>
+            </a:r>
+            <a:r>
+              <a:rPr lang="sr-Latn-RS" sz="2200">
+                <a:solidFill>
+                  <a:schemeClr val="bg2">
+                    <a:lumMod val="20000"/>
+                    <a:lumOff val="80000"/>
+                  </a:schemeClr>
+                </a:solidFill>
+                <a:latin typeface="+mj-lt"/>
+                <a:cs typeface="Times New Roman" panose="02020603050405020304" pitchFamily="18" charset="0"/>
+              </a:rPr>
+              <a:t>0</a:t>
+            </a:r>
+            <a:endParaRPr lang="sr-Latn-RS" sz="2200" dirty="0">
+              <a:solidFill>
+                <a:schemeClr val="bg2">
+                  <a:lumMod val="20000"/>
+                  <a:lumOff val="80000"/>
+                </a:schemeClr>
+              </a:solidFill>
+              <a:latin typeface="+mj-lt"/>
+              <a:cs typeface="Times New Roman" panose="02020603050405020304" pitchFamily="18" charset="0"/>
+            </a:endParaRPr>
           </a:p>
           <a:p>
             <a:r>
